--- a/results/March12.pptx
+++ b/results/March12.pptx
@@ -280,7 +280,7 @@
           <a:p>
             <a:fld id="{8B4E6A1D-72FB-4332-BF5A-C8ADA9990DAE}" type="datetimeFigureOut">
               <a:rPr lang="ko-KR" altLang="en-US" smtClean="0"/>
-              <a:t>2020-03-12</a:t>
+              <a:t>2020. 4. 2.</a:t>
             </a:fld>
             <a:endParaRPr lang="ko-KR" altLang="en-US"/>
           </a:p>
@@ -480,7 +480,7 @@
           <a:p>
             <a:fld id="{8B4E6A1D-72FB-4332-BF5A-C8ADA9990DAE}" type="datetimeFigureOut">
               <a:rPr lang="ko-KR" altLang="en-US" smtClean="0"/>
-              <a:t>2020-03-12</a:t>
+              <a:t>2020. 4. 2.</a:t>
             </a:fld>
             <a:endParaRPr lang="ko-KR" altLang="en-US"/>
           </a:p>
@@ -690,7 +690,7 @@
           <a:p>
             <a:fld id="{8B4E6A1D-72FB-4332-BF5A-C8ADA9990DAE}" type="datetimeFigureOut">
               <a:rPr lang="ko-KR" altLang="en-US" smtClean="0"/>
-              <a:t>2020-03-12</a:t>
+              <a:t>2020. 4. 2.</a:t>
             </a:fld>
             <a:endParaRPr lang="ko-KR" altLang="en-US"/>
           </a:p>
@@ -890,7 +890,7 @@
           <a:p>
             <a:fld id="{8B4E6A1D-72FB-4332-BF5A-C8ADA9990DAE}" type="datetimeFigureOut">
               <a:rPr lang="ko-KR" altLang="en-US" smtClean="0"/>
-              <a:t>2020-03-12</a:t>
+              <a:t>2020. 4. 2.</a:t>
             </a:fld>
             <a:endParaRPr lang="ko-KR" altLang="en-US"/>
           </a:p>
@@ -1166,7 +1166,7 @@
           <a:p>
             <a:fld id="{8B4E6A1D-72FB-4332-BF5A-C8ADA9990DAE}" type="datetimeFigureOut">
               <a:rPr lang="ko-KR" altLang="en-US" smtClean="0"/>
-              <a:t>2020-03-12</a:t>
+              <a:t>2020. 4. 2.</a:t>
             </a:fld>
             <a:endParaRPr lang="ko-KR" altLang="en-US"/>
           </a:p>
@@ -1434,7 +1434,7 @@
           <a:p>
             <a:fld id="{8B4E6A1D-72FB-4332-BF5A-C8ADA9990DAE}" type="datetimeFigureOut">
               <a:rPr lang="ko-KR" altLang="en-US" smtClean="0"/>
-              <a:t>2020-03-12</a:t>
+              <a:t>2020. 4. 2.</a:t>
             </a:fld>
             <a:endParaRPr lang="ko-KR" altLang="en-US"/>
           </a:p>
@@ -1849,7 +1849,7 @@
           <a:p>
             <a:fld id="{8B4E6A1D-72FB-4332-BF5A-C8ADA9990DAE}" type="datetimeFigureOut">
               <a:rPr lang="ko-KR" altLang="en-US" smtClean="0"/>
-              <a:t>2020-03-12</a:t>
+              <a:t>2020. 4. 2.</a:t>
             </a:fld>
             <a:endParaRPr lang="ko-KR" altLang="en-US"/>
           </a:p>
@@ -1991,7 +1991,7 @@
           <a:p>
             <a:fld id="{8B4E6A1D-72FB-4332-BF5A-C8ADA9990DAE}" type="datetimeFigureOut">
               <a:rPr lang="ko-KR" altLang="en-US" smtClean="0"/>
-              <a:t>2020-03-12</a:t>
+              <a:t>2020. 4. 2.</a:t>
             </a:fld>
             <a:endParaRPr lang="ko-KR" altLang="en-US"/>
           </a:p>
@@ -2104,7 +2104,7 @@
           <a:p>
             <a:fld id="{8B4E6A1D-72FB-4332-BF5A-C8ADA9990DAE}" type="datetimeFigureOut">
               <a:rPr lang="ko-KR" altLang="en-US" smtClean="0"/>
-              <a:t>2020-03-12</a:t>
+              <a:t>2020. 4. 2.</a:t>
             </a:fld>
             <a:endParaRPr lang="ko-KR" altLang="en-US"/>
           </a:p>
@@ -2417,7 +2417,7 @@
           <a:p>
             <a:fld id="{8B4E6A1D-72FB-4332-BF5A-C8ADA9990DAE}" type="datetimeFigureOut">
               <a:rPr lang="ko-KR" altLang="en-US" smtClean="0"/>
-              <a:t>2020-03-12</a:t>
+              <a:t>2020. 4. 2.</a:t>
             </a:fld>
             <a:endParaRPr lang="ko-KR" altLang="en-US"/>
           </a:p>
@@ -2706,7 +2706,7 @@
           <a:p>
             <a:fld id="{8B4E6A1D-72FB-4332-BF5A-C8ADA9990DAE}" type="datetimeFigureOut">
               <a:rPr lang="ko-KR" altLang="en-US" smtClean="0"/>
-              <a:t>2020-03-12</a:t>
+              <a:t>2020. 4. 2.</a:t>
             </a:fld>
             <a:endParaRPr lang="ko-KR" altLang="en-US"/>
           </a:p>
@@ -2949,7 +2949,7 @@
           <a:p>
             <a:fld id="{8B4E6A1D-72FB-4332-BF5A-C8ADA9990DAE}" type="datetimeFigureOut">
               <a:rPr lang="ko-KR" altLang="en-US" smtClean="0"/>
-              <a:t>2020-03-12</a:t>
+              <a:t>2020. 4. 2.</a:t>
             </a:fld>
             <a:endParaRPr lang="ko-KR" altLang="en-US"/>
           </a:p>
@@ -3441,7 +3441,15 @@
           <a:p>
             <a:r>
               <a:rPr lang="en-US" altLang="ko-KR" dirty="0"/>
-              <a:t>Hypothesis: The multiplicative epistasis of both SNPs causes transcriptional changes of the some of common genes, and it will causes both OSA and dementia</a:t>
+              <a:t>Hypothesis: The multiplicative epistasis of both SNPs causes transcriptional changes of the some of common genes, </a:t>
+            </a:r>
+            <a:r>
+              <a:rPr lang="en-US" altLang="ko-KR"/>
+              <a:t>and these genes </a:t>
+            </a:r>
+            <a:r>
+              <a:rPr lang="en-US" altLang="ko-KR" dirty="0"/>
+              <a:t>probably cause both OSA and dementia</a:t>
             </a:r>
           </a:p>
           <a:p>
